--- a/0. Curso/Curso.pptx
+++ b/0. Curso/Curso.pptx
@@ -27010,7 +27010,7 @@
           <p:nvPr>
             <p:extLst>
               <p:ext uri="{D42A27DB-BD31-4B8C-83A1-F6EECF244321}">
-                <p14:modId xmlns:p14="http://schemas.microsoft.com/office/powerpoint/2010/main" val="3423861909"/>
+                <p14:modId xmlns:p14="http://schemas.microsoft.com/office/powerpoint/2010/main" val="2327699655"/>
               </p:ext>
             </p:extLst>
           </p:nvPr>
@@ -27395,7 +27395,7 @@
                         <a:rPr lang="en-US" sz="1500" dirty="0" err="1">
                           <a:effectLst/>
                         </a:rPr>
-                        <a:t>juegos</a:t>
+                        <a:t>aplicaciones</a:t>
                       </a:r>
                       <a:r>
                         <a:rPr lang="en-US" sz="1500" dirty="0">
@@ -27560,11 +27560,26 @@
                     <a:p>
                       <a:pPr algn="ctr" rtl="0" fontAlgn="b"/>
                       <a:r>
+                        <a:rPr lang="en-US" sz="1500" dirty="0" err="1">
+                          <a:effectLst/>
+                        </a:rPr>
+                        <a:t>Disponibilidad</a:t>
+                      </a:r>
+                      <a:r>
+                        <a:rPr lang="en-US" sz="1500" dirty="0">
+                          <a:effectLst/>
+                        </a:rPr>
+                        <a:t> de </a:t>
+                      </a:r>
+                      <a:r>
                         <a:rPr lang="en-US" sz="1500">
                           <a:effectLst/>
                         </a:rPr>
-                        <a:t>Disponibilidad de desarrolladores</a:t>
+                        <a:t>desarrolladores</a:t>
                       </a:r>
+                      <a:endParaRPr lang="en-US" sz="1500" dirty="0">
+                        <a:effectLst/>
+                      </a:endParaRPr>
                     </a:p>
                   </a:txBody>
                   <a:tcPr marL="28575" marR="28575" marT="19050" marB="19050" anchor="ctr">
@@ -30267,8 +30282,8 @@
         </p:nvSpPr>
         <p:spPr>
           <a:xfrm>
-            <a:off x="4989764" y="3761505"/>
-            <a:ext cx="2619305" cy="307777"/>
+            <a:off x="5232949" y="3698175"/>
+            <a:ext cx="2134485" cy="954107"/>
           </a:xfrm>
           <a:prstGeom prst="rect">
             <a:avLst/>
@@ -30281,65 +30296,47 @@
           </a:bodyPr>
           <a:lstStyle/>
           <a:p>
-            <a:pPr algn="ctr"/>
+            <a:pPr algn="just"/>
             <a:r>
               <a:rPr lang="en-CO" dirty="0">
                 <a:solidFill>
                   <a:schemeClr val="tx1"/>
                 </a:solidFill>
               </a:rPr>
-              <a:t>Teléfono real (mejor opción)</a:t>
-            </a:r>
-          </a:p>
-        </p:txBody>
-      </p:sp>
-      <p:sp>
-        <p:nvSpPr>
-          <p:cNvPr id="16" name="TextBox 15">
-            <a:extLst>
-              <a:ext uri="{FF2B5EF4-FFF2-40B4-BE49-F238E27FC236}">
-                <a16:creationId xmlns:a16="http://schemas.microsoft.com/office/drawing/2014/main" id="{08016861-1BE7-43E0-731E-41A2C2AFA6E3}"/>
-              </a:ext>
-            </a:extLst>
-          </p:cNvPr>
-          <p:cNvSpPr txBox="1"/>
-          <p:nvPr/>
-        </p:nvSpPr>
-        <p:spPr>
-          <a:xfrm>
-            <a:off x="4989763" y="4069282"/>
-            <a:ext cx="2619305" cy="523220"/>
-          </a:xfrm>
-          <a:prstGeom prst="rect">
-            <a:avLst/>
-          </a:prstGeom>
-          <a:noFill/>
-        </p:spPr>
-        <p:txBody>
-          <a:bodyPr wrap="square" rtlCol="0">
-            <a:spAutoFit/>
-          </a:bodyPr>
-          <a:lstStyle/>
-          <a:p>
-            <a:pPr algn="ctr"/>
+              <a:t>1. Teléfono Android real </a:t>
+            </a:r>
+          </a:p>
+          <a:p>
+            <a:pPr algn="just"/>
             <a:r>
               <a:rPr lang="en-CO" dirty="0">
                 <a:solidFill>
                   <a:schemeClr val="tx1"/>
                 </a:solidFill>
               </a:rPr>
-              <a:t>Emulador Android</a:t>
-            </a:r>
-          </a:p>
-          <a:p>
-            <a:pPr algn="ctr"/>
+              <a:t>2. Emulador Android</a:t>
+            </a:r>
+          </a:p>
+          <a:p>
+            <a:pPr algn="just"/>
             <a:r>
               <a:rPr lang="en-CO" dirty="0">
                 <a:solidFill>
                   <a:schemeClr val="tx1"/>
                 </a:solidFill>
               </a:rPr>
-              <a:t>Emulador iOS</a:t>
+              <a:t>3. Emulador iOS</a:t>
+            </a:r>
+          </a:p>
+          <a:p>
+            <a:pPr algn="just"/>
+            <a:r>
+              <a:rPr lang="en-CO" dirty="0">
+                <a:solidFill>
+                  <a:schemeClr val="tx1"/>
+                </a:solidFill>
+              </a:rPr>
+              <a:t>4. Teléfono iOS real</a:t>
             </a:r>
           </a:p>
         </p:txBody>
